--- a/003/가이드문서/WM Entertainment.pptx
+++ b/003/가이드문서/WM Entertainment.pptx
@@ -6,11 +6,12 @@
   </p:sldMasterIdLst>
   <p:sldIdLst>
     <p:sldId id="256" r:id="rId2"/>
-    <p:sldId id="258" r:id="rId3"/>
-    <p:sldId id="259" r:id="rId4"/>
-    <p:sldId id="260" r:id="rId5"/>
-    <p:sldId id="261" r:id="rId6"/>
-    <p:sldId id="264" r:id="rId7"/>
+    <p:sldId id="265" r:id="rId3"/>
+    <p:sldId id="258" r:id="rId4"/>
+    <p:sldId id="259" r:id="rId5"/>
+    <p:sldId id="260" r:id="rId6"/>
+    <p:sldId id="261" r:id="rId7"/>
+    <p:sldId id="264" r:id="rId8"/>
   </p:sldIdLst>
   <p:sldSz cx="12192000" cy="6858000"/>
   <p:notesSz cx="6858000" cy="9144000"/>
@@ -109,6 +110,11 @@
       </a:defRPr>
     </a:lvl9pPr>
   </p:defaultTextStyle>
+  <p:extLst>
+    <p:ext uri="{EFAFB233-063F-42B5-8137-9DF3F51BA10A}">
+      <p15:sldGuideLst xmlns:p15="http://schemas.microsoft.com/office/powerpoint/2012/main"/>
+    </p:ext>
+  </p:extLst>
 </p:presentation>
 </file>
 
@@ -3190,132 +3196,144 @@
           <a:lstStyle/>
           <a:p>
             <a:r>
-              <a:rPr lang="ko-KR" altLang="en-US" dirty="0"/>
-              <a:t>사이트 선정 배경</a:t>
-            </a:r>
-          </a:p>
-        </p:txBody>
-      </p:sp>
-      <p:pic>
-        <p:nvPicPr>
-          <p:cNvPr id="6" name="내용 개체 틀 5">
+              <a:rPr lang="ko-KR" altLang="en-US" b="1" dirty="0">
+                <a:latin typeface="맑은 고딕" panose="020B0503020000020004" pitchFamily="50" charset="-127"/>
+                <a:ea typeface="맑은 고딕" panose="020B0503020000020004" pitchFamily="50" charset="-127"/>
+              </a:rPr>
+              <a:t>목차</a:t>
+            </a:r>
+            <a:endParaRPr lang="ko-KR" altLang="en-US" dirty="0"/>
+          </a:p>
+        </p:txBody>
+      </p:sp>
+      <p:sp>
+        <p:nvSpPr>
+          <p:cNvPr id="3" name="내용 개체 틀 2">
             <a:extLst>
               <a:ext uri="{FF2B5EF4-FFF2-40B4-BE49-F238E27FC236}">
-                <a16:creationId xmlns:a16="http://schemas.microsoft.com/office/drawing/2014/main" id="{89023232-C94B-BA6B-0B8D-BD6165FE5198}"/>
+                <a16:creationId xmlns:a16="http://schemas.microsoft.com/office/drawing/2014/main" id="{E76FEFD1-73A2-1D8D-745B-958282AA0F6A}"/>
               </a:ext>
             </a:extLst>
           </p:cNvPr>
-          <p:cNvPicPr>
-            <a:picLocks noGrp="1" noChangeAspect="1"/>
-          </p:cNvPicPr>
+          <p:cNvSpPr>
+            <a:spLocks noGrp="1"/>
+          </p:cNvSpPr>
           <p:nvPr>
             <p:ph idx="1"/>
           </p:nvPr>
-        </p:nvPicPr>
-        <p:blipFill>
-          <a:blip r:embed="rId3">
-            <a:extLst>
-              <a:ext uri="{28A0092B-C50C-407E-A947-70E740481C1C}">
-                <a14:useLocalDpi xmlns:a14="http://schemas.microsoft.com/office/drawing/2010/main" val="0"/>
-              </a:ext>
-            </a:extLst>
-          </a:blip>
-          <a:stretch>
-            <a:fillRect/>
-          </a:stretch>
-        </p:blipFill>
-        <p:spPr>
-          <a:xfrm>
-            <a:off x="838200" y="1577975"/>
-            <a:ext cx="4869244" cy="4351338"/>
-          </a:xfrm>
-        </p:spPr>
-      </p:pic>
-      <p:sp>
-        <p:nvSpPr>
-          <p:cNvPr id="7" name="TextBox 6">
-            <a:extLst>
-              <a:ext uri="{FF2B5EF4-FFF2-40B4-BE49-F238E27FC236}">
-                <a16:creationId xmlns:a16="http://schemas.microsoft.com/office/drawing/2014/main" id="{703D5D00-69CE-8E63-E74C-A8C5186D427E}"/>
-              </a:ext>
-            </a:extLst>
-          </p:cNvPr>
-          <p:cNvSpPr txBox="1"/>
-          <p:nvPr/>
-        </p:nvSpPr>
-        <p:spPr>
-          <a:xfrm>
-            <a:off x="5962261" y="1577975"/>
-            <a:ext cx="5391539" cy="2862322"/>
-          </a:xfrm>
-          <a:prstGeom prst="rect">
-            <a:avLst/>
-          </a:prstGeom>
-          <a:noFill/>
-        </p:spPr>
-        <p:txBody>
-          <a:bodyPr wrap="square" rtlCol="0">
-            <a:spAutoFit/>
-          </a:bodyPr>
-          <a:lstStyle/>
-          <a:p>
-            <a:r>
-              <a:rPr lang="ko-KR" altLang="en-US" dirty="0"/>
-              <a:t>기존 사이트는 만들어 진지 너무나 오래되어 보여 </a:t>
-            </a:r>
-            <a:endParaRPr lang="en-US" altLang="ko-KR" dirty="0"/>
-          </a:p>
-          <a:p>
-            <a:r>
-              <a:rPr lang="ko-KR" altLang="en-US" dirty="0"/>
-              <a:t>새로 만들어 보고 싶어 선정하게 되었습니다</a:t>
-            </a:r>
-            <a:r>
-              <a:rPr lang="en-US" altLang="ko-KR" dirty="0"/>
-              <a:t>.</a:t>
-            </a:r>
-          </a:p>
-          <a:p>
-            <a:endParaRPr lang="en-US" altLang="ko-KR" dirty="0"/>
-          </a:p>
-          <a:p>
-            <a:r>
-              <a:rPr lang="ko-KR" altLang="en-US" dirty="0"/>
-              <a:t>메뉴부분은 요즘 쓰는 방식이 아닌 마우스가 오버 될 때 마다 이미지가 변경되게 하는 방식을 쓰고 있었으며</a:t>
-            </a:r>
-            <a:r>
-              <a:rPr lang="en-US" altLang="ko-KR" dirty="0"/>
-              <a:t>, </a:t>
-            </a:r>
-            <a:r>
-              <a:rPr lang="ko-KR" altLang="en-US" dirty="0"/>
-              <a:t>미디어 쿼리 역시 안되는 사이트 였습니다</a:t>
-            </a:r>
-            <a:r>
-              <a:rPr lang="en-US" altLang="ko-KR" dirty="0"/>
-              <a:t>. </a:t>
-            </a:r>
-          </a:p>
-          <a:p>
-            <a:endParaRPr lang="en-US" altLang="ko-KR" dirty="0"/>
-          </a:p>
-          <a:p>
-            <a:r>
-              <a:rPr lang="ko-KR" altLang="en-US" dirty="0"/>
-              <a:t>그렇기에 여러 사이트를 보는 중 제 눈에 띄었으며 타 기획사인 </a:t>
-            </a:r>
-            <a:r>
-              <a:rPr lang="en-US" altLang="ko-KR" dirty="0"/>
-              <a:t>High-up </a:t>
-            </a:r>
-            <a:r>
-              <a:rPr lang="ko-KR" altLang="en-US" dirty="0"/>
-              <a:t>엔터테인먼트의 사이트 방식을 여기에 대입해 보고 싶었습니다</a:t>
-            </a:r>
-            <a:r>
-              <a:rPr lang="en-US" altLang="ko-KR" dirty="0"/>
-              <a:t>.</a:t>
-            </a:r>
+        </p:nvSpPr>
+        <p:spPr/>
+        <p:txBody>
+          <a:bodyPr/>
+          <a:lstStyle/>
+          <a:p>
+            <a:pPr marL="514350" indent="-514350">
+              <a:lnSpc>
+                <a:spcPct val="150000"/>
+              </a:lnSpc>
+              <a:buFont typeface="+mj-lt"/>
+              <a:buAutoNum type="arabicPeriod"/>
+            </a:pPr>
+            <a:r>
+              <a:rPr lang="ko-KR" altLang="en-US" dirty="0">
+                <a:latin typeface="맑은 고딕" panose="020B0503020000020004" pitchFamily="50" charset="-127"/>
+                <a:ea typeface="맑은 고딕" panose="020B0503020000020004" pitchFamily="50" charset="-127"/>
+              </a:rPr>
+              <a:t>사이트 선정 배경</a:t>
+            </a:r>
+            <a:endParaRPr lang="en-US" altLang="ko-KR" dirty="0">
+              <a:latin typeface="맑은 고딕" panose="020B0503020000020004" pitchFamily="50" charset="-127"/>
+              <a:ea typeface="맑은 고딕" panose="020B0503020000020004" pitchFamily="50" charset="-127"/>
+            </a:endParaRPr>
+          </a:p>
+          <a:p>
+            <a:pPr marL="514350" indent="-514350">
+              <a:lnSpc>
+                <a:spcPct val="150000"/>
+              </a:lnSpc>
+              <a:buFont typeface="+mj-lt"/>
+              <a:buAutoNum type="arabicPeriod"/>
+            </a:pPr>
+            <a:r>
+              <a:rPr lang="ko-KR" altLang="en-US" dirty="0">
+                <a:latin typeface="맑은 고딕" panose="020B0503020000020004" pitchFamily="50" charset="-127"/>
+                <a:ea typeface="맑은 고딕" panose="020B0503020000020004" pitchFamily="50" charset="-127"/>
+              </a:rPr>
+              <a:t>프로젝트 목적 및 개요</a:t>
+            </a:r>
+            <a:endParaRPr lang="en-US" altLang="ko-KR" dirty="0">
+              <a:latin typeface="맑은 고딕" panose="020B0503020000020004" pitchFamily="50" charset="-127"/>
+              <a:ea typeface="맑은 고딕" panose="020B0503020000020004" pitchFamily="50" charset="-127"/>
+            </a:endParaRPr>
+          </a:p>
+          <a:p>
+            <a:pPr marL="514350" indent="-514350">
+              <a:lnSpc>
+                <a:spcPct val="150000"/>
+              </a:lnSpc>
+              <a:buFont typeface="+mj-lt"/>
+              <a:buAutoNum type="arabicPeriod"/>
+            </a:pPr>
+            <a:r>
+              <a:rPr lang="ko-KR" altLang="en-US" dirty="0">
+                <a:latin typeface="맑은 고딕" panose="020B0503020000020004" pitchFamily="50" charset="-127"/>
+                <a:ea typeface="맑은 고딕" panose="020B0503020000020004" pitchFamily="50" charset="-127"/>
+              </a:rPr>
+              <a:t>제작 기법</a:t>
+            </a:r>
+            <a:endParaRPr lang="en-US" altLang="ko-KR" dirty="0">
+              <a:latin typeface="맑은 고딕" panose="020B0503020000020004" pitchFamily="50" charset="-127"/>
+              <a:ea typeface="맑은 고딕" panose="020B0503020000020004" pitchFamily="50" charset="-127"/>
+            </a:endParaRPr>
+          </a:p>
+          <a:p>
+            <a:pPr marL="514350" indent="-514350">
+              <a:lnSpc>
+                <a:spcPct val="150000"/>
+              </a:lnSpc>
+              <a:buFont typeface="+mj-lt"/>
+              <a:buAutoNum type="arabicPeriod"/>
+            </a:pPr>
+            <a:r>
+              <a:rPr lang="ko-KR" altLang="en-US" dirty="0" err="1">
+                <a:latin typeface="맑은 고딕" panose="020B0503020000020004" pitchFamily="50" charset="-127"/>
+                <a:ea typeface="맑은 고딕" panose="020B0503020000020004" pitchFamily="50" charset="-127"/>
+              </a:rPr>
+              <a:t>메인페이지</a:t>
+            </a:r>
+            <a:r>
+              <a:rPr lang="ko-KR" altLang="en-US" dirty="0">
+                <a:latin typeface="맑은 고딕" panose="020B0503020000020004" pitchFamily="50" charset="-127"/>
+                <a:ea typeface="맑은 고딕" panose="020B0503020000020004" pitchFamily="50" charset="-127"/>
+              </a:rPr>
+              <a:t> 레이아웃</a:t>
+            </a:r>
+            <a:endParaRPr lang="en-US" altLang="ko-KR" dirty="0">
+              <a:latin typeface="맑은 고딕" panose="020B0503020000020004" pitchFamily="50" charset="-127"/>
+              <a:ea typeface="맑은 고딕" panose="020B0503020000020004" pitchFamily="50" charset="-127"/>
+            </a:endParaRPr>
+          </a:p>
+          <a:p>
+            <a:pPr marL="514350" indent="-514350">
+              <a:lnSpc>
+                <a:spcPct val="150000"/>
+              </a:lnSpc>
+              <a:buFont typeface="+mj-lt"/>
+              <a:buAutoNum type="arabicPeriod"/>
+            </a:pPr>
+            <a:r>
+              <a:rPr lang="ko-KR" altLang="en-US" dirty="0">
+                <a:latin typeface="맑은 고딕" panose="020B0503020000020004" pitchFamily="50" charset="-127"/>
+                <a:ea typeface="맑은 고딕" panose="020B0503020000020004" pitchFamily="50" charset="-127"/>
+              </a:rPr>
+              <a:t>서브페이지 레이아웃</a:t>
+            </a:r>
+            <a:endParaRPr lang="en-US" altLang="ko-KR" dirty="0">
+              <a:latin typeface="맑은 고딕" panose="020B0503020000020004" pitchFamily="50" charset="-127"/>
+              <a:ea typeface="맑은 고딕" panose="020B0503020000020004" pitchFamily="50" charset="-127"/>
+            </a:endParaRPr>
+          </a:p>
+          <a:p>
             <a:endParaRPr lang="ko-KR" altLang="en-US" dirty="0"/>
           </a:p>
         </p:txBody>
@@ -3323,7 +3341,7 @@
     </p:spTree>
     <p:extLst>
       <p:ext uri="{BB962C8B-B14F-4D97-AF65-F5344CB8AC3E}">
-        <p14:creationId xmlns:p14="http://schemas.microsoft.com/office/powerpoint/2010/main" val="1917297085"/>
+        <p14:creationId xmlns:p14="http://schemas.microsoft.com/office/powerpoint/2010/main" val="555968700"/>
       </p:ext>
     </p:extLst>
   </p:cSld>
@@ -3410,7 +3428,243 @@
           <a:lstStyle/>
           <a:p>
             <a:r>
+              <a:rPr lang="en-US" altLang="ko-KR" b="1" dirty="0">
+                <a:latin typeface="+mj-ea"/>
+              </a:rPr>
+              <a:t>1. </a:t>
+            </a:r>
+            <a:r>
+              <a:rPr lang="ko-KR" altLang="en-US" b="1" dirty="0">
+                <a:latin typeface="+mj-ea"/>
+              </a:rPr>
+              <a:t>사이트 선정 배경</a:t>
+            </a:r>
+          </a:p>
+        </p:txBody>
+      </p:sp>
+      <p:pic>
+        <p:nvPicPr>
+          <p:cNvPr id="6" name="내용 개체 틀 5">
+            <a:extLst>
+              <a:ext uri="{FF2B5EF4-FFF2-40B4-BE49-F238E27FC236}">
+                <a16:creationId xmlns:a16="http://schemas.microsoft.com/office/drawing/2014/main" id="{89023232-C94B-BA6B-0B8D-BD6165FE5198}"/>
+              </a:ext>
+            </a:extLst>
+          </p:cNvPr>
+          <p:cNvPicPr>
+            <a:picLocks noGrp="1" noChangeAspect="1"/>
+          </p:cNvPicPr>
+          <p:nvPr>
+            <p:ph idx="1"/>
+          </p:nvPr>
+        </p:nvPicPr>
+        <p:blipFill>
+          <a:blip r:embed="rId3">
+            <a:extLst>
+              <a:ext uri="{28A0092B-C50C-407E-A947-70E740481C1C}">
+                <a14:useLocalDpi xmlns:a14="http://schemas.microsoft.com/office/drawing/2010/main" val="0"/>
+              </a:ext>
+            </a:extLst>
+          </a:blip>
+          <a:stretch>
+            <a:fillRect/>
+          </a:stretch>
+        </p:blipFill>
+        <p:spPr>
+          <a:xfrm>
+            <a:off x="838200" y="1577975"/>
+            <a:ext cx="4869244" cy="4351338"/>
+          </a:xfrm>
+        </p:spPr>
+      </p:pic>
+      <p:sp>
+        <p:nvSpPr>
+          <p:cNvPr id="7" name="TextBox 6">
+            <a:extLst>
+              <a:ext uri="{FF2B5EF4-FFF2-40B4-BE49-F238E27FC236}">
+                <a16:creationId xmlns:a16="http://schemas.microsoft.com/office/drawing/2014/main" id="{703D5D00-69CE-8E63-E74C-A8C5186D427E}"/>
+              </a:ext>
+            </a:extLst>
+          </p:cNvPr>
+          <p:cNvSpPr txBox="1"/>
+          <p:nvPr/>
+        </p:nvSpPr>
+        <p:spPr>
+          <a:xfrm>
+            <a:off x="5962261" y="1577975"/>
+            <a:ext cx="5391539" cy="3139321"/>
+          </a:xfrm>
+          <a:prstGeom prst="rect">
+            <a:avLst/>
+          </a:prstGeom>
+          <a:noFill/>
+        </p:spPr>
+        <p:txBody>
+          <a:bodyPr wrap="square" rtlCol="0">
+            <a:spAutoFit/>
+          </a:bodyPr>
+          <a:lstStyle/>
+          <a:p>
+            <a:r>
               <a:rPr lang="ko-KR" altLang="en-US" dirty="0"/>
+              <a:t>기존 사이트는 만들어 진지 너무나 오래되어 보여 </a:t>
+            </a:r>
+            <a:endParaRPr lang="en-US" altLang="ko-KR" dirty="0"/>
+          </a:p>
+          <a:p>
+            <a:r>
+              <a:rPr lang="ko-KR" altLang="en-US" dirty="0"/>
+              <a:t>새로 만들어 보고 싶어 선정하게 되었습니다</a:t>
+            </a:r>
+            <a:r>
+              <a:rPr lang="en-US" altLang="ko-KR" dirty="0"/>
+              <a:t>.</a:t>
+            </a:r>
+          </a:p>
+          <a:p>
+            <a:endParaRPr lang="en-US" altLang="ko-KR" dirty="0"/>
+          </a:p>
+          <a:p>
+            <a:r>
+              <a:rPr lang="ko-KR" altLang="en-US" dirty="0"/>
+              <a:t>메뉴부분은 요즘 쓰는 방식이 아닌 마우스가 오버 될 때 마다 이미지가 변경되게 하는 방식을 쓰고 있었으며</a:t>
+            </a:r>
+            <a:r>
+              <a:rPr lang="en-US" altLang="ko-KR" dirty="0"/>
+              <a:t>, </a:t>
+            </a:r>
+            <a:r>
+              <a:rPr lang="ko-KR" altLang="en-US" dirty="0"/>
+              <a:t>미디어 쿼리 역시 구현이 안되어 있는 사이트 였습니다</a:t>
+            </a:r>
+            <a:r>
+              <a:rPr lang="en-US" altLang="ko-KR" dirty="0"/>
+              <a:t>. </a:t>
+            </a:r>
+          </a:p>
+          <a:p>
+            <a:endParaRPr lang="en-US" altLang="ko-KR" dirty="0"/>
+          </a:p>
+          <a:p>
+            <a:r>
+              <a:rPr lang="ko-KR" altLang="en-US" dirty="0"/>
+              <a:t>그렇기에 여러 사이트를 보는 중 제 눈에 띄었으며 타 기획사인 </a:t>
+            </a:r>
+            <a:r>
+              <a:rPr lang="en-US" altLang="ko-KR" dirty="0"/>
+              <a:t>High-up </a:t>
+            </a:r>
+            <a:r>
+              <a:rPr lang="ko-KR" altLang="en-US" dirty="0"/>
+              <a:t>엔터테인먼트의 사이트 방식을 여기에 대입해 보고 싶었습니다</a:t>
+            </a:r>
+            <a:r>
+              <a:rPr lang="en-US" altLang="ko-KR" dirty="0"/>
+              <a:t>.</a:t>
+            </a:r>
+            <a:endParaRPr lang="ko-KR" altLang="en-US" dirty="0"/>
+          </a:p>
+        </p:txBody>
+      </p:sp>
+    </p:spTree>
+    <p:extLst>
+      <p:ext uri="{BB962C8B-B14F-4D97-AF65-F5344CB8AC3E}">
+        <p14:creationId xmlns:p14="http://schemas.microsoft.com/office/powerpoint/2010/main" val="1917297085"/>
+      </p:ext>
+    </p:extLst>
+  </p:cSld>
+  <p:clrMapOvr>
+    <a:masterClrMapping/>
+  </p:clrMapOvr>
+</p:sld>
+</file>
+
+<file path=ppt/slides/slide4.xml><?xml version="1.0" encoding="utf-8"?>
+<p:sld xmlns:a="http://schemas.openxmlformats.org/drawingml/2006/main" xmlns:r="http://schemas.openxmlformats.org/officeDocument/2006/relationships" xmlns:p="http://schemas.openxmlformats.org/presentationml/2006/main">
+  <p:cSld>
+    <p:spTree>
+      <p:nvGrpSpPr>
+        <p:cNvPr id="1" name=""/>
+        <p:cNvGrpSpPr/>
+        <p:nvPr/>
+      </p:nvGrpSpPr>
+      <p:grpSpPr>
+        <a:xfrm>
+          <a:off x="0" y="0"/>
+          <a:ext cx="0" cy="0"/>
+          <a:chOff x="0" y="0"/>
+          <a:chExt cx="0" cy="0"/>
+        </a:xfrm>
+      </p:grpSpPr>
+      <p:pic>
+        <p:nvPicPr>
+          <p:cNvPr id="4" name="그림 3">
+            <a:extLst>
+              <a:ext uri="{FF2B5EF4-FFF2-40B4-BE49-F238E27FC236}">
+                <a16:creationId xmlns:a16="http://schemas.microsoft.com/office/drawing/2014/main" id="{BEA09C66-7FE2-B8B5-7FBA-747AE8259332}"/>
+              </a:ext>
+            </a:extLst>
+          </p:cNvPr>
+          <p:cNvPicPr>
+            <a:picLocks noGrp="1" noRot="1" noMove="1" noResize="1" noEditPoints="1" noAdjustHandles="1" noChangeArrowheads="1" noChangeShapeType="1" noCrop="1"/>
+          </p:cNvPicPr>
+          <p:nvPr/>
+        </p:nvPicPr>
+        <p:blipFill>
+          <a:blip r:embed="rId2">
+            <a:alphaModFix amt="20000"/>
+            <a:extLst>
+              <a:ext uri="{28A0092B-C50C-407E-A947-70E740481C1C}">
+                <a14:useLocalDpi xmlns:a14="http://schemas.microsoft.com/office/drawing/2010/main" val="0"/>
+              </a:ext>
+            </a:extLst>
+          </a:blip>
+          <a:stretch>
+            <a:fillRect/>
+          </a:stretch>
+        </p:blipFill>
+        <p:spPr>
+          <a:xfrm>
+            <a:off x="4667250" y="2000250"/>
+            <a:ext cx="2857500" cy="2857500"/>
+          </a:xfrm>
+          <a:prstGeom prst="rect">
+            <a:avLst/>
+          </a:prstGeom>
+          <a:noFill/>
+        </p:spPr>
+      </p:pic>
+      <p:sp>
+        <p:nvSpPr>
+          <p:cNvPr id="2" name="제목 1">
+            <a:extLst>
+              <a:ext uri="{FF2B5EF4-FFF2-40B4-BE49-F238E27FC236}">
+                <a16:creationId xmlns:a16="http://schemas.microsoft.com/office/drawing/2014/main" id="{10E2DA38-E659-F12F-0581-BEB62B098581}"/>
+              </a:ext>
+            </a:extLst>
+          </p:cNvPr>
+          <p:cNvSpPr>
+            <a:spLocks noGrp="1"/>
+          </p:cNvSpPr>
+          <p:nvPr>
+            <p:ph type="title"/>
+          </p:nvPr>
+        </p:nvSpPr>
+        <p:spPr/>
+        <p:txBody>
+          <a:bodyPr/>
+          <a:lstStyle/>
+          <a:p>
+            <a:r>
+              <a:rPr lang="en-US" altLang="ko-KR" b="1" dirty="0">
+                <a:latin typeface="+mj-ea"/>
+              </a:rPr>
+              <a:t>2. </a:t>
+            </a:r>
+            <a:r>
+              <a:rPr lang="ko-KR" altLang="en-US" b="1" dirty="0">
+                <a:latin typeface="+mj-ea"/>
+              </a:rPr>
               <a:t>프로젝트 목적 및 개요</a:t>
             </a:r>
           </a:p>
@@ -3686,231 +3940,6 @@
 </p:sld>
 </file>
 
-<file path=ppt/slides/slide4.xml><?xml version="1.0" encoding="utf-8"?>
-<p:sld xmlns:a="http://schemas.openxmlformats.org/drawingml/2006/main" xmlns:r="http://schemas.openxmlformats.org/officeDocument/2006/relationships" xmlns:p="http://schemas.openxmlformats.org/presentationml/2006/main">
-  <p:cSld>
-    <p:spTree>
-      <p:nvGrpSpPr>
-        <p:cNvPr id="1" name=""/>
-        <p:cNvGrpSpPr/>
-        <p:nvPr/>
-      </p:nvGrpSpPr>
-      <p:grpSpPr>
-        <a:xfrm>
-          <a:off x="0" y="0"/>
-          <a:ext cx="0" cy="0"/>
-          <a:chOff x="0" y="0"/>
-          <a:chExt cx="0" cy="0"/>
-        </a:xfrm>
-      </p:grpSpPr>
-      <p:pic>
-        <p:nvPicPr>
-          <p:cNvPr id="4" name="그림 3">
-            <a:extLst>
-              <a:ext uri="{FF2B5EF4-FFF2-40B4-BE49-F238E27FC236}">
-                <a16:creationId xmlns:a16="http://schemas.microsoft.com/office/drawing/2014/main" id="{BEA09C66-7FE2-B8B5-7FBA-747AE8259332}"/>
-              </a:ext>
-            </a:extLst>
-          </p:cNvPr>
-          <p:cNvPicPr>
-            <a:picLocks noGrp="1" noRot="1" noMove="1" noResize="1" noEditPoints="1" noAdjustHandles="1" noChangeArrowheads="1" noChangeShapeType="1" noCrop="1"/>
-          </p:cNvPicPr>
-          <p:nvPr/>
-        </p:nvPicPr>
-        <p:blipFill>
-          <a:blip r:embed="rId2">
-            <a:alphaModFix amt="20000"/>
-            <a:extLst>
-              <a:ext uri="{28A0092B-C50C-407E-A947-70E740481C1C}">
-                <a14:useLocalDpi xmlns:a14="http://schemas.microsoft.com/office/drawing/2010/main" val="0"/>
-              </a:ext>
-            </a:extLst>
-          </a:blip>
-          <a:stretch>
-            <a:fillRect/>
-          </a:stretch>
-        </p:blipFill>
-        <p:spPr>
-          <a:xfrm>
-            <a:off x="4667250" y="2000250"/>
-            <a:ext cx="2857500" cy="2857500"/>
-          </a:xfrm>
-          <a:prstGeom prst="rect">
-            <a:avLst/>
-          </a:prstGeom>
-          <a:noFill/>
-        </p:spPr>
-      </p:pic>
-      <p:sp>
-        <p:nvSpPr>
-          <p:cNvPr id="2" name="제목 1">
-            <a:extLst>
-              <a:ext uri="{FF2B5EF4-FFF2-40B4-BE49-F238E27FC236}">
-                <a16:creationId xmlns:a16="http://schemas.microsoft.com/office/drawing/2014/main" id="{10E2DA38-E659-F12F-0581-BEB62B098581}"/>
-              </a:ext>
-            </a:extLst>
-          </p:cNvPr>
-          <p:cNvSpPr>
-            <a:spLocks noGrp="1"/>
-          </p:cNvSpPr>
-          <p:nvPr>
-            <p:ph type="title"/>
-          </p:nvPr>
-        </p:nvSpPr>
-        <p:spPr/>
-        <p:txBody>
-          <a:bodyPr/>
-          <a:lstStyle/>
-          <a:p>
-            <a:r>
-              <a:rPr lang="en-US" altLang="ko-KR" b="1" dirty="0">
-                <a:latin typeface="맑은 고딕" panose="020B0503020000020004" pitchFamily="50" charset="-127"/>
-                <a:ea typeface="맑은 고딕" panose="020B0503020000020004" pitchFamily="50" charset="-127"/>
-              </a:rPr>
-              <a:t>3. </a:t>
-            </a:r>
-            <a:r>
-              <a:rPr lang="ko-KR" altLang="en-US" b="1" dirty="0">
-                <a:latin typeface="맑은 고딕" panose="020B0503020000020004" pitchFamily="50" charset="-127"/>
-                <a:ea typeface="맑은 고딕" panose="020B0503020000020004" pitchFamily="50" charset="-127"/>
-              </a:rPr>
-              <a:t>제작 기법</a:t>
-            </a:r>
-            <a:endParaRPr lang="ko-KR" altLang="en-US" dirty="0"/>
-          </a:p>
-        </p:txBody>
-      </p:sp>
-      <p:sp>
-        <p:nvSpPr>
-          <p:cNvPr id="3" name="내용 개체 틀 2">
-            <a:extLst>
-              <a:ext uri="{FF2B5EF4-FFF2-40B4-BE49-F238E27FC236}">
-                <a16:creationId xmlns:a16="http://schemas.microsoft.com/office/drawing/2014/main" id="{E76FEFD1-73A2-1D8D-745B-958282AA0F6A}"/>
-              </a:ext>
-            </a:extLst>
-          </p:cNvPr>
-          <p:cNvSpPr>
-            <a:spLocks noGrp="1"/>
-          </p:cNvSpPr>
-          <p:nvPr>
-            <p:ph idx="1"/>
-          </p:nvPr>
-        </p:nvSpPr>
-        <p:spPr/>
-        <p:txBody>
-          <a:bodyPr/>
-          <a:lstStyle/>
-          <a:p>
-            <a:r>
-              <a:rPr lang="en-US" altLang="ko-KR" dirty="0">
-                <a:latin typeface="맑은 고딕" panose="020B0503020000020004" pitchFamily="50" charset="-127"/>
-                <a:ea typeface="맑은 고딕" panose="020B0503020000020004" pitchFamily="50" charset="-127"/>
-              </a:rPr>
-              <a:t>HTML 5 / CSS 3 / </a:t>
-            </a:r>
-            <a:r>
-              <a:rPr lang="en-US" altLang="ko-KR" dirty="0" err="1">
-                <a:latin typeface="맑은 고딕" panose="020B0503020000020004" pitchFamily="50" charset="-127"/>
-                <a:ea typeface="맑은 고딕" panose="020B0503020000020004" pitchFamily="50" charset="-127"/>
-              </a:rPr>
-              <a:t>Javascript</a:t>
-            </a:r>
-            <a:r>
-              <a:rPr lang="en-US" altLang="ko-KR" dirty="0">
-                <a:latin typeface="맑은 고딕" panose="020B0503020000020004" pitchFamily="50" charset="-127"/>
-                <a:ea typeface="맑은 고딕" panose="020B0503020000020004" pitchFamily="50" charset="-127"/>
-              </a:rPr>
-              <a:t> / </a:t>
-            </a:r>
-            <a:r>
-              <a:rPr lang="en-US" altLang="ko-KR" dirty="0" err="1">
-                <a:latin typeface="맑은 고딕" panose="020B0503020000020004" pitchFamily="50" charset="-127"/>
-                <a:ea typeface="맑은 고딕" panose="020B0503020000020004" pitchFamily="50" charset="-127"/>
-              </a:rPr>
-              <a:t>JQuery</a:t>
-            </a:r>
-            <a:r>
-              <a:rPr lang="en-US" altLang="ko-KR" dirty="0">
-                <a:latin typeface="맑은 고딕" panose="020B0503020000020004" pitchFamily="50" charset="-127"/>
-                <a:ea typeface="맑은 고딕" panose="020B0503020000020004" pitchFamily="50" charset="-127"/>
-              </a:rPr>
-              <a:t> / </a:t>
-            </a:r>
-          </a:p>
-          <a:p>
-            <a:pPr marL="0" indent="0">
-              <a:buNone/>
-            </a:pPr>
-            <a:r>
-              <a:rPr lang="en-US" altLang="ko-KR" dirty="0">
-                <a:latin typeface="맑은 고딕" panose="020B0503020000020004" pitchFamily="50" charset="-127"/>
-                <a:ea typeface="맑은 고딕" panose="020B0503020000020004" pitchFamily="50" charset="-127"/>
-              </a:rPr>
-              <a:t>  swipe.js / fullpage.js / scroll-reveal.js / parallax.js</a:t>
-            </a:r>
-          </a:p>
-          <a:p>
-            <a:endParaRPr lang="en-US" altLang="ko-KR" dirty="0">
-              <a:latin typeface="맑은 고딕" panose="020B0503020000020004" pitchFamily="50" charset="-127"/>
-              <a:ea typeface="맑은 고딕" panose="020B0503020000020004" pitchFamily="50" charset="-127"/>
-            </a:endParaRPr>
-          </a:p>
-          <a:p>
-            <a:r>
-              <a:rPr lang="ko-KR" altLang="en-US" dirty="0">
-                <a:latin typeface="맑은 고딕" panose="020B0503020000020004" pitchFamily="50" charset="-127"/>
-                <a:ea typeface="맑은 고딕" panose="020B0503020000020004" pitchFamily="50" charset="-127"/>
-              </a:rPr>
-              <a:t>다양한 연출 효과를 주기위해 </a:t>
-            </a:r>
-            <a:endParaRPr lang="en-US" altLang="ko-KR" dirty="0">
-              <a:latin typeface="맑은 고딕" panose="020B0503020000020004" pitchFamily="50" charset="-127"/>
-              <a:ea typeface="맑은 고딕" panose="020B0503020000020004" pitchFamily="50" charset="-127"/>
-            </a:endParaRPr>
-          </a:p>
-          <a:p>
-            <a:pPr marL="0" indent="0">
-              <a:buNone/>
-            </a:pPr>
-            <a:r>
-              <a:rPr lang="ko-KR" altLang="en-US" dirty="0">
-                <a:latin typeface="맑은 고딕" panose="020B0503020000020004" pitchFamily="50" charset="-127"/>
-                <a:ea typeface="맑은 고딕" panose="020B0503020000020004" pitchFamily="50" charset="-127"/>
-              </a:rPr>
-              <a:t>  여러 플러그인들을 사용해 봤습니다</a:t>
-            </a:r>
-            <a:r>
-              <a:rPr lang="en-US" altLang="ko-KR" dirty="0">
-                <a:latin typeface="맑은 고딕" panose="020B0503020000020004" pitchFamily="50" charset="-127"/>
-                <a:ea typeface="맑은 고딕" panose="020B0503020000020004" pitchFamily="50" charset="-127"/>
-              </a:rPr>
-              <a:t>.</a:t>
-            </a:r>
-          </a:p>
-          <a:p>
-            <a:endParaRPr lang="en-US" altLang="ko-KR" dirty="0">
-              <a:latin typeface="맑은 고딕" panose="020B0503020000020004" pitchFamily="50" charset="-127"/>
-              <a:ea typeface="맑은 고딕" panose="020B0503020000020004" pitchFamily="50" charset="-127"/>
-            </a:endParaRPr>
-          </a:p>
-          <a:p>
-            <a:endParaRPr lang="ko-KR" altLang="en-US" dirty="0"/>
-          </a:p>
-        </p:txBody>
-      </p:sp>
-    </p:spTree>
-    <p:extLst>
-      <p:ext uri="{BB962C8B-B14F-4D97-AF65-F5344CB8AC3E}">
-        <p14:creationId xmlns:p14="http://schemas.microsoft.com/office/powerpoint/2010/main" val="2256030479"/>
-      </p:ext>
-    </p:extLst>
-  </p:cSld>
-  <p:clrMapOvr>
-    <a:masterClrMapping/>
-  </p:clrMapOvr>
-</p:sld>
-</file>
-
 <file path=ppt/slides/slide5.xml><?xml version="1.0" encoding="utf-8"?>
 <p:sld xmlns:a="http://schemas.openxmlformats.org/drawingml/2006/main" xmlns:r="http://schemas.openxmlformats.org/officeDocument/2006/relationships" xmlns:p="http://schemas.openxmlformats.org/presentationml/2006/main">
   <p:cSld>
@@ -3988,15 +4017,285 @@
           <a:lstStyle/>
           <a:p>
             <a:r>
-              <a:rPr lang="en-US" altLang="ko-KR" b="1" dirty="0"/>
+              <a:rPr lang="en-US" altLang="ko-KR" b="1" dirty="0">
+                <a:latin typeface="맑은 고딕" panose="020B0503020000020004" pitchFamily="50" charset="-127"/>
+                <a:ea typeface="맑은 고딕" panose="020B0503020000020004" pitchFamily="50" charset="-127"/>
+              </a:rPr>
+              <a:t>3. </a:t>
+            </a:r>
+            <a:r>
+              <a:rPr lang="ko-KR" altLang="en-US" b="1" dirty="0">
+                <a:latin typeface="맑은 고딕" panose="020B0503020000020004" pitchFamily="50" charset="-127"/>
+                <a:ea typeface="맑은 고딕" panose="020B0503020000020004" pitchFamily="50" charset="-127"/>
+              </a:rPr>
+              <a:t>제작 기법</a:t>
+            </a:r>
+            <a:endParaRPr lang="ko-KR" altLang="en-US" dirty="0"/>
+          </a:p>
+        </p:txBody>
+      </p:sp>
+      <p:sp>
+        <p:nvSpPr>
+          <p:cNvPr id="3" name="내용 개체 틀 2">
+            <a:extLst>
+              <a:ext uri="{FF2B5EF4-FFF2-40B4-BE49-F238E27FC236}">
+                <a16:creationId xmlns:a16="http://schemas.microsoft.com/office/drawing/2014/main" id="{E76FEFD1-73A2-1D8D-745B-958282AA0F6A}"/>
+              </a:ext>
+            </a:extLst>
+          </p:cNvPr>
+          <p:cNvSpPr>
+            <a:spLocks noGrp="1"/>
+          </p:cNvSpPr>
+          <p:nvPr>
+            <p:ph idx="1"/>
+          </p:nvPr>
+        </p:nvSpPr>
+        <p:spPr/>
+        <p:txBody>
+          <a:bodyPr/>
+          <a:lstStyle/>
+          <a:p>
+            <a:r>
+              <a:rPr lang="en-US" altLang="ko-KR" dirty="0">
+                <a:latin typeface="맑은 고딕" panose="020B0503020000020004" pitchFamily="50" charset="-127"/>
+                <a:ea typeface="맑은 고딕" panose="020B0503020000020004" pitchFamily="50" charset="-127"/>
+              </a:rPr>
+              <a:t>HTML 5 / CSS 3 / </a:t>
+            </a:r>
+            <a:r>
+              <a:rPr lang="en-US" altLang="ko-KR" dirty="0" err="1">
+                <a:latin typeface="맑은 고딕" panose="020B0503020000020004" pitchFamily="50" charset="-127"/>
+                <a:ea typeface="맑은 고딕" panose="020B0503020000020004" pitchFamily="50" charset="-127"/>
+              </a:rPr>
+              <a:t>Javascript</a:t>
+            </a:r>
+            <a:r>
+              <a:rPr lang="en-US" altLang="ko-KR" dirty="0">
+                <a:latin typeface="맑은 고딕" panose="020B0503020000020004" pitchFamily="50" charset="-127"/>
+                <a:ea typeface="맑은 고딕" panose="020B0503020000020004" pitchFamily="50" charset="-127"/>
+              </a:rPr>
+              <a:t> / </a:t>
+            </a:r>
+            <a:r>
+              <a:rPr lang="en-US" altLang="ko-KR" dirty="0" err="1">
+                <a:latin typeface="맑은 고딕" panose="020B0503020000020004" pitchFamily="50" charset="-127"/>
+                <a:ea typeface="맑은 고딕" panose="020B0503020000020004" pitchFamily="50" charset="-127"/>
+              </a:rPr>
+              <a:t>JQuery</a:t>
+            </a:r>
+            <a:r>
+              <a:rPr lang="en-US" altLang="ko-KR" dirty="0">
+                <a:latin typeface="맑은 고딕" panose="020B0503020000020004" pitchFamily="50" charset="-127"/>
+                <a:ea typeface="맑은 고딕" panose="020B0503020000020004" pitchFamily="50" charset="-127"/>
+              </a:rPr>
+              <a:t> / </a:t>
+            </a:r>
+          </a:p>
+          <a:p>
+            <a:pPr marL="0" indent="0">
+              <a:buNone/>
+            </a:pPr>
+            <a:r>
+              <a:rPr lang="en-US" altLang="ko-KR" dirty="0">
+                <a:latin typeface="맑은 고딕" panose="020B0503020000020004" pitchFamily="50" charset="-127"/>
+                <a:ea typeface="맑은 고딕" panose="020B0503020000020004" pitchFamily="50" charset="-127"/>
+              </a:rPr>
+              <a:t>  swipe.js / fullpage.js / scroll-reveal.js / parallax.js</a:t>
+            </a:r>
+          </a:p>
+          <a:p>
+            <a:endParaRPr lang="en-US" altLang="ko-KR" dirty="0">
+              <a:latin typeface="맑은 고딕" panose="020B0503020000020004" pitchFamily="50" charset="-127"/>
+              <a:ea typeface="맑은 고딕" panose="020B0503020000020004" pitchFamily="50" charset="-127"/>
+            </a:endParaRPr>
+          </a:p>
+          <a:p>
+            <a:r>
+              <a:rPr lang="ko-KR" altLang="en-US" dirty="0">
+                <a:latin typeface="맑은 고딕" panose="020B0503020000020004" pitchFamily="50" charset="-127"/>
+                <a:ea typeface="맑은 고딕" panose="020B0503020000020004" pitchFamily="50" charset="-127"/>
+              </a:rPr>
+              <a:t>다양한 연출 효과를 주기위해 </a:t>
+            </a:r>
+            <a:endParaRPr lang="en-US" altLang="ko-KR" dirty="0">
+              <a:latin typeface="맑은 고딕" panose="020B0503020000020004" pitchFamily="50" charset="-127"/>
+              <a:ea typeface="맑은 고딕" panose="020B0503020000020004" pitchFamily="50" charset="-127"/>
+            </a:endParaRPr>
+          </a:p>
+          <a:p>
+            <a:pPr marL="0" indent="0">
+              <a:buNone/>
+            </a:pPr>
+            <a:r>
+              <a:rPr lang="ko-KR" altLang="en-US" dirty="0">
+                <a:latin typeface="맑은 고딕" panose="020B0503020000020004" pitchFamily="50" charset="-127"/>
+                <a:ea typeface="맑은 고딕" panose="020B0503020000020004" pitchFamily="50" charset="-127"/>
+              </a:rPr>
+              <a:t>  여러 플러그인들을 사용해 봤습니다</a:t>
+            </a:r>
+            <a:r>
+              <a:rPr lang="en-US" altLang="ko-KR" dirty="0">
+                <a:latin typeface="맑은 고딕" panose="020B0503020000020004" pitchFamily="50" charset="-127"/>
+                <a:ea typeface="맑은 고딕" panose="020B0503020000020004" pitchFamily="50" charset="-127"/>
+              </a:rPr>
+              <a:t>.</a:t>
+            </a:r>
+          </a:p>
+          <a:p>
+            <a:pPr marL="0" indent="0">
+              <a:buNone/>
+            </a:pPr>
+            <a:endParaRPr lang="en-US" altLang="ko-KR" dirty="0">
+              <a:latin typeface="맑은 고딕" panose="020B0503020000020004" pitchFamily="50" charset="-127"/>
+              <a:ea typeface="맑은 고딕" panose="020B0503020000020004" pitchFamily="50" charset="-127"/>
+            </a:endParaRPr>
+          </a:p>
+          <a:p>
+            <a:r>
+              <a:rPr lang="ko-KR" altLang="en-US" dirty="0">
+                <a:latin typeface="맑은 고딕" panose="020B0503020000020004" pitchFamily="50" charset="-127"/>
+                <a:ea typeface="맑은 고딕" panose="020B0503020000020004" pitchFamily="50" charset="-127"/>
+              </a:rPr>
+              <a:t>미디어 쿼리를 사용하여 모바일 환경이 주류가 된 요즘 </a:t>
+            </a:r>
+            <a:r>
+              <a:rPr lang="ko-KR" altLang="en-US">
+                <a:latin typeface="맑은 고딕" panose="020B0503020000020004" pitchFamily="50" charset="-127"/>
+                <a:ea typeface="맑은 고딕" panose="020B0503020000020004" pitchFamily="50" charset="-127"/>
+              </a:rPr>
+              <a:t>상황에 맞춰 </a:t>
+            </a:r>
+            <a:r>
+              <a:rPr lang="ko-KR" altLang="en-US" dirty="0">
+                <a:latin typeface="맑은 고딕" panose="020B0503020000020004" pitchFamily="50" charset="-127"/>
+                <a:ea typeface="맑은 고딕" panose="020B0503020000020004" pitchFamily="50" charset="-127"/>
+              </a:rPr>
+              <a:t>깔끔히 구현됩니다</a:t>
+            </a:r>
+            <a:r>
+              <a:rPr lang="en-US" altLang="ko-KR" dirty="0">
+                <a:latin typeface="맑은 고딕" panose="020B0503020000020004" pitchFamily="50" charset="-127"/>
+                <a:ea typeface="맑은 고딕" panose="020B0503020000020004" pitchFamily="50" charset="-127"/>
+              </a:rPr>
+              <a:t>.</a:t>
+            </a:r>
+          </a:p>
+          <a:p>
+            <a:endParaRPr lang="en-US" altLang="ko-KR" dirty="0">
+              <a:latin typeface="맑은 고딕" panose="020B0503020000020004" pitchFamily="50" charset="-127"/>
+              <a:ea typeface="맑은 고딕" panose="020B0503020000020004" pitchFamily="50" charset="-127"/>
+            </a:endParaRPr>
+          </a:p>
+          <a:p>
+            <a:endParaRPr lang="ko-KR" altLang="en-US" dirty="0"/>
+          </a:p>
+        </p:txBody>
+      </p:sp>
+    </p:spTree>
+    <p:extLst>
+      <p:ext uri="{BB962C8B-B14F-4D97-AF65-F5344CB8AC3E}">
+        <p14:creationId xmlns:p14="http://schemas.microsoft.com/office/powerpoint/2010/main" val="2256030479"/>
+      </p:ext>
+    </p:extLst>
+  </p:cSld>
+  <p:clrMapOvr>
+    <a:masterClrMapping/>
+  </p:clrMapOvr>
+</p:sld>
+</file>
+
+<file path=ppt/slides/slide6.xml><?xml version="1.0" encoding="utf-8"?>
+<p:sld xmlns:a="http://schemas.openxmlformats.org/drawingml/2006/main" xmlns:r="http://schemas.openxmlformats.org/officeDocument/2006/relationships" xmlns:p="http://schemas.openxmlformats.org/presentationml/2006/main">
+  <p:cSld>
+    <p:spTree>
+      <p:nvGrpSpPr>
+        <p:cNvPr id="1" name=""/>
+        <p:cNvGrpSpPr/>
+        <p:nvPr/>
+      </p:nvGrpSpPr>
+      <p:grpSpPr>
+        <a:xfrm>
+          <a:off x="0" y="0"/>
+          <a:ext cx="0" cy="0"/>
+          <a:chOff x="0" y="0"/>
+          <a:chExt cx="0" cy="0"/>
+        </a:xfrm>
+      </p:grpSpPr>
+      <p:pic>
+        <p:nvPicPr>
+          <p:cNvPr id="4" name="그림 3">
+            <a:extLst>
+              <a:ext uri="{FF2B5EF4-FFF2-40B4-BE49-F238E27FC236}">
+                <a16:creationId xmlns:a16="http://schemas.microsoft.com/office/drawing/2014/main" id="{BEA09C66-7FE2-B8B5-7FBA-747AE8259332}"/>
+              </a:ext>
+            </a:extLst>
+          </p:cNvPr>
+          <p:cNvPicPr>
+            <a:picLocks noGrp="1" noRot="1" noMove="1" noResize="1" noEditPoints="1" noAdjustHandles="1" noChangeArrowheads="1" noChangeShapeType="1" noCrop="1"/>
+          </p:cNvPicPr>
+          <p:nvPr/>
+        </p:nvPicPr>
+        <p:blipFill>
+          <a:blip r:embed="rId2">
+            <a:alphaModFix amt="20000"/>
+            <a:extLst>
+              <a:ext uri="{28A0092B-C50C-407E-A947-70E740481C1C}">
+                <a14:useLocalDpi xmlns:a14="http://schemas.microsoft.com/office/drawing/2010/main" val="0"/>
+              </a:ext>
+            </a:extLst>
+          </a:blip>
+          <a:stretch>
+            <a:fillRect/>
+          </a:stretch>
+        </p:blipFill>
+        <p:spPr>
+          <a:xfrm>
+            <a:off x="4667250" y="2000250"/>
+            <a:ext cx="2857500" cy="2857500"/>
+          </a:xfrm>
+          <a:prstGeom prst="rect">
+            <a:avLst/>
+          </a:prstGeom>
+          <a:noFill/>
+        </p:spPr>
+      </p:pic>
+      <p:sp>
+        <p:nvSpPr>
+          <p:cNvPr id="2" name="제목 1">
+            <a:extLst>
+              <a:ext uri="{FF2B5EF4-FFF2-40B4-BE49-F238E27FC236}">
+                <a16:creationId xmlns:a16="http://schemas.microsoft.com/office/drawing/2014/main" id="{10E2DA38-E659-F12F-0581-BEB62B098581}"/>
+              </a:ext>
+            </a:extLst>
+          </p:cNvPr>
+          <p:cNvSpPr>
+            <a:spLocks noGrp="1"/>
+          </p:cNvSpPr>
+          <p:nvPr>
+            <p:ph type="title"/>
+          </p:nvPr>
+        </p:nvSpPr>
+        <p:spPr/>
+        <p:txBody>
+          <a:bodyPr/>
+          <a:lstStyle/>
+          <a:p>
+            <a:r>
+              <a:rPr lang="en-US" altLang="ko-KR" b="1" dirty="0">
+                <a:latin typeface="+mj-ea"/>
+              </a:rPr>
               <a:t>4. </a:t>
             </a:r>
             <a:r>
-              <a:rPr lang="ko-KR" altLang="en-US" b="1" dirty="0" err="1"/>
+              <a:rPr lang="ko-KR" altLang="en-US" b="1" dirty="0" err="1">
+                <a:latin typeface="+mj-ea"/>
+              </a:rPr>
               <a:t>메인페이지</a:t>
             </a:r>
             <a:r>
-              <a:rPr lang="ko-KR" altLang="en-US" b="1" dirty="0"/>
+              <a:rPr lang="ko-KR" altLang="en-US" b="1" dirty="0">
+                <a:latin typeface="+mj-ea"/>
+              </a:rPr>
               <a:t> 레이아웃</a:t>
             </a:r>
           </a:p>
@@ -4678,7 +4977,7 @@
 </p:sld>
 </file>
 
-<file path=ppt/slides/slide6.xml><?xml version="1.0" encoding="utf-8"?>
+<file path=ppt/slides/slide7.xml><?xml version="1.0" encoding="utf-8"?>
 <p:sld xmlns:a="http://schemas.openxmlformats.org/drawingml/2006/main" xmlns:r="http://schemas.openxmlformats.org/officeDocument/2006/relationships" xmlns:p="http://schemas.openxmlformats.org/presentationml/2006/main">
   <p:cSld>
     <p:spTree>
@@ -4791,11 +5090,15 @@
           <a:lstStyle/>
           <a:p>
             <a:r>
-              <a:rPr lang="en-US" altLang="ko-KR" b="1" dirty="0"/>
+              <a:rPr lang="en-US" altLang="ko-KR" b="1" dirty="0">
+                <a:latin typeface="+mj-ea"/>
+              </a:rPr>
               <a:t>5. </a:t>
             </a:r>
             <a:r>
-              <a:rPr lang="ko-KR" altLang="en-US" b="1" dirty="0"/>
+              <a:rPr lang="ko-KR" altLang="en-US" b="1" dirty="0">
+                <a:latin typeface="+mj-ea"/>
+              </a:rPr>
               <a:t>서브페이지 레이아웃</a:t>
             </a:r>
           </a:p>
@@ -4819,8 +5122,8 @@
         </p:nvSpPr>
         <p:spPr>
           <a:xfrm>
-            <a:off x="838200" y="1825625"/>
-            <a:ext cx="4676192" cy="4351338"/>
+            <a:off x="838199" y="1825625"/>
+            <a:ext cx="5122409" cy="4351338"/>
           </a:xfrm>
         </p:spPr>
         <p:txBody>

--- a/003/가이드문서/WM Entertainment.pptx
+++ b/003/가이드문서/WM Entertainment.pptx
@@ -12,6 +12,7 @@
     <p:sldId id="260" r:id="rId6"/>
     <p:sldId id="261" r:id="rId7"/>
     <p:sldId id="264" r:id="rId8"/>
+    <p:sldId id="266" r:id="rId9"/>
   </p:sldIdLst>
   <p:sldSz cx="12192000" cy="6858000"/>
   <p:notesSz cx="6858000" cy="9144000"/>
@@ -249,7 +250,7 @@
           <a:p>
             <a:fld id="{2D088AF8-641C-46FD-8039-D7788B723898}" type="datetimeFigureOut">
               <a:rPr lang="ko-KR" altLang="en-US" smtClean="0"/>
-              <a:t>2022-08-09</a:t>
+              <a:t>2022-09-14</a:t>
             </a:fld>
             <a:endParaRPr lang="ko-KR" altLang="en-US"/>
           </a:p>
@@ -419,7 +420,7 @@
           <a:p>
             <a:fld id="{2D088AF8-641C-46FD-8039-D7788B723898}" type="datetimeFigureOut">
               <a:rPr lang="ko-KR" altLang="en-US" smtClean="0"/>
-              <a:t>2022-08-09</a:t>
+              <a:t>2022-09-14</a:t>
             </a:fld>
             <a:endParaRPr lang="ko-KR" altLang="en-US"/>
           </a:p>
@@ -599,7 +600,7 @@
           <a:p>
             <a:fld id="{2D088AF8-641C-46FD-8039-D7788B723898}" type="datetimeFigureOut">
               <a:rPr lang="ko-KR" altLang="en-US" smtClean="0"/>
-              <a:t>2022-08-09</a:t>
+              <a:t>2022-09-14</a:t>
             </a:fld>
             <a:endParaRPr lang="ko-KR" altLang="en-US"/>
           </a:p>
@@ -769,7 +770,7 @@
           <a:p>
             <a:fld id="{2D088AF8-641C-46FD-8039-D7788B723898}" type="datetimeFigureOut">
               <a:rPr lang="ko-KR" altLang="en-US" smtClean="0"/>
-              <a:t>2022-08-09</a:t>
+              <a:t>2022-09-14</a:t>
             </a:fld>
             <a:endParaRPr lang="ko-KR" altLang="en-US"/>
           </a:p>
@@ -1015,7 +1016,7 @@
           <a:p>
             <a:fld id="{2D088AF8-641C-46FD-8039-D7788B723898}" type="datetimeFigureOut">
               <a:rPr lang="ko-KR" altLang="en-US" smtClean="0"/>
-              <a:t>2022-08-09</a:t>
+              <a:t>2022-09-14</a:t>
             </a:fld>
             <a:endParaRPr lang="ko-KR" altLang="en-US"/>
           </a:p>
@@ -1247,7 +1248,7 @@
           <a:p>
             <a:fld id="{2D088AF8-641C-46FD-8039-D7788B723898}" type="datetimeFigureOut">
               <a:rPr lang="ko-KR" altLang="en-US" smtClean="0"/>
-              <a:t>2022-08-09</a:t>
+              <a:t>2022-09-14</a:t>
             </a:fld>
             <a:endParaRPr lang="ko-KR" altLang="en-US"/>
           </a:p>
@@ -1614,7 +1615,7 @@
           <a:p>
             <a:fld id="{2D088AF8-641C-46FD-8039-D7788B723898}" type="datetimeFigureOut">
               <a:rPr lang="ko-KR" altLang="en-US" smtClean="0"/>
-              <a:t>2022-08-09</a:t>
+              <a:t>2022-09-14</a:t>
             </a:fld>
             <a:endParaRPr lang="ko-KR" altLang="en-US"/>
           </a:p>
@@ -1732,7 +1733,7 @@
           <a:p>
             <a:fld id="{2D088AF8-641C-46FD-8039-D7788B723898}" type="datetimeFigureOut">
               <a:rPr lang="ko-KR" altLang="en-US" smtClean="0"/>
-              <a:t>2022-08-09</a:t>
+              <a:t>2022-09-14</a:t>
             </a:fld>
             <a:endParaRPr lang="ko-KR" altLang="en-US"/>
           </a:p>
@@ -1827,7 +1828,7 @@
           <a:p>
             <a:fld id="{2D088AF8-641C-46FD-8039-D7788B723898}" type="datetimeFigureOut">
               <a:rPr lang="ko-KR" altLang="en-US" smtClean="0"/>
-              <a:t>2022-08-09</a:t>
+              <a:t>2022-09-14</a:t>
             </a:fld>
             <a:endParaRPr lang="ko-KR" altLang="en-US"/>
           </a:p>
@@ -2104,7 +2105,7 @@
           <a:p>
             <a:fld id="{2D088AF8-641C-46FD-8039-D7788B723898}" type="datetimeFigureOut">
               <a:rPr lang="ko-KR" altLang="en-US" smtClean="0"/>
-              <a:t>2022-08-09</a:t>
+              <a:t>2022-09-14</a:t>
             </a:fld>
             <a:endParaRPr lang="ko-KR" altLang="en-US"/>
           </a:p>
@@ -2361,7 +2362,7 @@
           <a:p>
             <a:fld id="{2D088AF8-641C-46FD-8039-D7788B723898}" type="datetimeFigureOut">
               <a:rPr lang="ko-KR" altLang="en-US" smtClean="0"/>
-              <a:t>2022-08-09</a:t>
+              <a:t>2022-09-14</a:t>
             </a:fld>
             <a:endParaRPr lang="ko-KR" altLang="en-US"/>
           </a:p>
@@ -2579,7 +2580,7 @@
           <a:p>
             <a:fld id="{2D088AF8-641C-46FD-8039-D7788B723898}" type="datetimeFigureOut">
               <a:rPr lang="ko-KR" altLang="en-US" smtClean="0"/>
-              <a:t>2022-08-09</a:t>
+              <a:t>2022-09-14</a:t>
             </a:fld>
             <a:endParaRPr lang="ko-KR" altLang="en-US"/>
           </a:p>
@@ -3222,9 +3223,16 @@
             <p:ph idx="1"/>
           </p:nvPr>
         </p:nvSpPr>
-        <p:spPr/>
-        <p:txBody>
-          <a:bodyPr/>
+        <p:spPr>
+          <a:xfrm>
+            <a:off x="838200" y="1468572"/>
+            <a:ext cx="10515600" cy="4351338"/>
+          </a:xfrm>
+        </p:spPr>
+        <p:txBody>
+          <a:bodyPr>
+            <a:normAutofit lnSpcReduction="10000"/>
+          </a:bodyPr>
           <a:lstStyle/>
           <a:p>
             <a:pPr marL="514350" indent="-514350">
@@ -3327,6 +3335,26 @@
                 <a:ea typeface="맑은 고딕" panose="020B0503020000020004" pitchFamily="50" charset="-127"/>
               </a:rPr>
               <a:t>서브페이지 레이아웃</a:t>
+            </a:r>
+            <a:endParaRPr lang="en-US" altLang="ko-KR" dirty="0">
+              <a:latin typeface="맑은 고딕" panose="020B0503020000020004" pitchFamily="50" charset="-127"/>
+              <a:ea typeface="맑은 고딕" panose="020B0503020000020004" pitchFamily="50" charset="-127"/>
+            </a:endParaRPr>
+          </a:p>
+          <a:p>
+            <a:pPr marL="514350" indent="-514350">
+              <a:lnSpc>
+                <a:spcPct val="150000"/>
+              </a:lnSpc>
+              <a:buFont typeface="+mj-lt"/>
+              <a:buAutoNum type="arabicPeriod"/>
+            </a:pPr>
+            <a:r>
+              <a:rPr lang="ko-KR" altLang="en-US">
+                <a:latin typeface="맑은 고딕" panose="020B0503020000020004" pitchFamily="50" charset="-127"/>
+                <a:ea typeface="맑은 고딕" panose="020B0503020000020004" pitchFamily="50" charset="-127"/>
+              </a:rPr>
+              <a:t>사이트 구현 링크</a:t>
             </a:r>
             <a:endParaRPr lang="en-US" altLang="ko-KR" dirty="0">
               <a:latin typeface="맑은 고딕" panose="020B0503020000020004" pitchFamily="50" charset="-127"/>
@@ -5543,6 +5571,145 @@
     <p:extLst>
       <p:ext uri="{BB962C8B-B14F-4D97-AF65-F5344CB8AC3E}">
         <p14:creationId xmlns:p14="http://schemas.microsoft.com/office/powerpoint/2010/main" val="3981075355"/>
+      </p:ext>
+    </p:extLst>
+  </p:cSld>
+  <p:clrMapOvr>
+    <a:masterClrMapping/>
+  </p:clrMapOvr>
+</p:sld>
+</file>
+
+<file path=ppt/slides/slide8.xml><?xml version="1.0" encoding="utf-8"?>
+<p:sld xmlns:a="http://schemas.openxmlformats.org/drawingml/2006/main" xmlns:r="http://schemas.openxmlformats.org/officeDocument/2006/relationships" xmlns:p="http://schemas.openxmlformats.org/presentationml/2006/main">
+  <p:cSld>
+    <p:spTree>
+      <p:nvGrpSpPr>
+        <p:cNvPr id="1" name=""/>
+        <p:cNvGrpSpPr/>
+        <p:nvPr/>
+      </p:nvGrpSpPr>
+      <p:grpSpPr>
+        <a:xfrm>
+          <a:off x="0" y="0"/>
+          <a:ext cx="0" cy="0"/>
+          <a:chOff x="0" y="0"/>
+          <a:chExt cx="0" cy="0"/>
+        </a:xfrm>
+      </p:grpSpPr>
+      <p:pic>
+        <p:nvPicPr>
+          <p:cNvPr id="4" name="그림 3">
+            <a:extLst>
+              <a:ext uri="{FF2B5EF4-FFF2-40B4-BE49-F238E27FC236}">
+                <a16:creationId xmlns:a16="http://schemas.microsoft.com/office/drawing/2014/main" id="{BEA09C66-7FE2-B8B5-7FBA-747AE8259332}"/>
+              </a:ext>
+            </a:extLst>
+          </p:cNvPr>
+          <p:cNvPicPr>
+            <a:picLocks noGrp="1" noRot="1" noMove="1" noResize="1" noEditPoints="1" noAdjustHandles="1" noChangeArrowheads="1" noChangeShapeType="1" noCrop="1"/>
+          </p:cNvPicPr>
+          <p:nvPr/>
+        </p:nvPicPr>
+        <p:blipFill>
+          <a:blip r:embed="rId2">
+            <a:alphaModFix amt="20000"/>
+            <a:extLst>
+              <a:ext uri="{28A0092B-C50C-407E-A947-70E740481C1C}">
+                <a14:useLocalDpi xmlns:a14="http://schemas.microsoft.com/office/drawing/2010/main" val="0"/>
+              </a:ext>
+            </a:extLst>
+          </a:blip>
+          <a:stretch>
+            <a:fillRect/>
+          </a:stretch>
+        </p:blipFill>
+        <p:spPr>
+          <a:xfrm>
+            <a:off x="4667250" y="2000250"/>
+            <a:ext cx="2857500" cy="2857500"/>
+          </a:xfrm>
+          <a:prstGeom prst="rect">
+            <a:avLst/>
+          </a:prstGeom>
+          <a:noFill/>
+        </p:spPr>
+      </p:pic>
+      <p:sp>
+        <p:nvSpPr>
+          <p:cNvPr id="2" name="제목 1">
+            <a:extLst>
+              <a:ext uri="{FF2B5EF4-FFF2-40B4-BE49-F238E27FC236}">
+                <a16:creationId xmlns:a16="http://schemas.microsoft.com/office/drawing/2014/main" id="{10E2DA38-E659-F12F-0581-BEB62B098581}"/>
+              </a:ext>
+            </a:extLst>
+          </p:cNvPr>
+          <p:cNvSpPr>
+            <a:spLocks noGrp="1"/>
+          </p:cNvSpPr>
+          <p:nvPr>
+            <p:ph type="title"/>
+          </p:nvPr>
+        </p:nvSpPr>
+        <p:spPr/>
+        <p:txBody>
+          <a:bodyPr/>
+          <a:lstStyle/>
+          <a:p>
+            <a:r>
+              <a:rPr lang="en-US" altLang="ko-KR" b="1" dirty="0">
+                <a:latin typeface="맑은 고딕" panose="020B0503020000020004" pitchFamily="50" charset="-127"/>
+                <a:ea typeface="맑은 고딕" panose="020B0503020000020004" pitchFamily="50" charset="-127"/>
+              </a:rPr>
+              <a:t>6. </a:t>
+            </a:r>
+            <a:r>
+              <a:rPr lang="ko-KR" altLang="en-US" b="1" dirty="0">
+                <a:latin typeface="맑은 고딕" panose="020B0503020000020004" pitchFamily="50" charset="-127"/>
+                <a:ea typeface="맑은 고딕" panose="020B0503020000020004" pitchFamily="50" charset="-127"/>
+              </a:rPr>
+              <a:t>사이트 구현 링크</a:t>
+            </a:r>
+            <a:endParaRPr lang="ko-KR" altLang="en-US" dirty="0"/>
+          </a:p>
+        </p:txBody>
+      </p:sp>
+      <p:sp>
+        <p:nvSpPr>
+          <p:cNvPr id="3" name="내용 개체 틀 2">
+            <a:extLst>
+              <a:ext uri="{FF2B5EF4-FFF2-40B4-BE49-F238E27FC236}">
+                <a16:creationId xmlns:a16="http://schemas.microsoft.com/office/drawing/2014/main" id="{E76FEFD1-73A2-1D8D-745B-958282AA0F6A}"/>
+              </a:ext>
+            </a:extLst>
+          </p:cNvPr>
+          <p:cNvSpPr>
+            <a:spLocks noGrp="1"/>
+          </p:cNvSpPr>
+          <p:nvPr>
+            <p:ph idx="1"/>
+          </p:nvPr>
+        </p:nvSpPr>
+        <p:spPr/>
+        <p:txBody>
+          <a:bodyPr/>
+          <a:lstStyle/>
+          <a:p>
+            <a:r>
+              <a:rPr lang="en-US" altLang="ko-KR" u="sng" dirty="0">
+                <a:latin typeface="맑은 고딕" panose="020B0503020000020004" pitchFamily="50" charset="-127"/>
+                <a:ea typeface="맑은 고딕" panose="020B0503020000020004" pitchFamily="50" charset="-127"/>
+              </a:rPr>
+              <a:t>https://jkm0722.github.io/JKM_exec01/003/</a:t>
+            </a:r>
+            <a:endParaRPr lang="ko-KR" altLang="en-US" u="sng" dirty="0"/>
+          </a:p>
+        </p:txBody>
+      </p:sp>
+    </p:spTree>
+    <p:extLst>
+      <p:ext uri="{BB962C8B-B14F-4D97-AF65-F5344CB8AC3E}">
+        <p14:creationId xmlns:p14="http://schemas.microsoft.com/office/powerpoint/2010/main" val="217002457"/>
       </p:ext>
     </p:extLst>
   </p:cSld>
